--- a/day1/C/resources/draw.pptx
+++ b/day1/C/resources/draw.pptx
@@ -7,6 +7,7 @@
   <p:sldIdLst>
     <p:sldId id="256" r:id="rId2"/>
     <p:sldId id="257" r:id="rId3"/>
+    <p:sldId id="258" r:id="rId4"/>
   </p:sldIdLst>
   <p:sldSz cx="12192000" cy="6858000"/>
   <p:notesSz cx="6858000" cy="9144000"/>
@@ -105,6 +106,11 @@
       </a:defRPr>
     </a:lvl9pPr>
   </p:defaultTextStyle>
+  <p:extLst>
+    <p:ext uri="{EFAFB233-063F-42B5-8137-9DF3F51BA10A}">
+      <p15:sldGuideLst xmlns:p15="http://schemas.microsoft.com/office/powerpoint/2012/main"/>
+    </p:ext>
+  </p:extLst>
 </p:presentation>
 </file>
 
@@ -255,7 +261,7 @@
           <a:p>
             <a:fld id="{FC6EF54D-E4E1-4056-B6E0-6737F8953513}" type="datetimeFigureOut">
               <a:rPr lang="zh-CN" altLang="en-US" smtClean="0"/>
-              <a:t>2024/10/10</a:t>
+              <a:t>2024/11/9</a:t>
             </a:fld>
             <a:endParaRPr lang="zh-CN" altLang="en-US"/>
           </a:p>
@@ -453,7 +459,7 @@
           <a:p>
             <a:fld id="{FC6EF54D-E4E1-4056-B6E0-6737F8953513}" type="datetimeFigureOut">
               <a:rPr lang="zh-CN" altLang="en-US" smtClean="0"/>
-              <a:t>2024/10/10</a:t>
+              <a:t>2024/11/9</a:t>
             </a:fld>
             <a:endParaRPr lang="zh-CN" altLang="en-US"/>
           </a:p>
@@ -661,7 +667,7 @@
           <a:p>
             <a:fld id="{FC6EF54D-E4E1-4056-B6E0-6737F8953513}" type="datetimeFigureOut">
               <a:rPr lang="zh-CN" altLang="en-US" smtClean="0"/>
-              <a:t>2024/10/10</a:t>
+              <a:t>2024/11/9</a:t>
             </a:fld>
             <a:endParaRPr lang="zh-CN" altLang="en-US"/>
           </a:p>
@@ -859,7 +865,7 @@
           <a:p>
             <a:fld id="{FC6EF54D-E4E1-4056-B6E0-6737F8953513}" type="datetimeFigureOut">
               <a:rPr lang="zh-CN" altLang="en-US" smtClean="0"/>
-              <a:t>2024/10/10</a:t>
+              <a:t>2024/11/9</a:t>
             </a:fld>
             <a:endParaRPr lang="zh-CN" altLang="en-US"/>
           </a:p>
@@ -1134,7 +1140,7 @@
           <a:p>
             <a:fld id="{FC6EF54D-E4E1-4056-B6E0-6737F8953513}" type="datetimeFigureOut">
               <a:rPr lang="zh-CN" altLang="en-US" smtClean="0"/>
-              <a:t>2024/10/10</a:t>
+              <a:t>2024/11/9</a:t>
             </a:fld>
             <a:endParaRPr lang="zh-CN" altLang="en-US"/>
           </a:p>
@@ -1399,7 +1405,7 @@
           <a:p>
             <a:fld id="{FC6EF54D-E4E1-4056-B6E0-6737F8953513}" type="datetimeFigureOut">
               <a:rPr lang="zh-CN" altLang="en-US" smtClean="0"/>
-              <a:t>2024/10/10</a:t>
+              <a:t>2024/11/9</a:t>
             </a:fld>
             <a:endParaRPr lang="zh-CN" altLang="en-US"/>
           </a:p>
@@ -1811,7 +1817,7 @@
           <a:p>
             <a:fld id="{FC6EF54D-E4E1-4056-B6E0-6737F8953513}" type="datetimeFigureOut">
               <a:rPr lang="zh-CN" altLang="en-US" smtClean="0"/>
-              <a:t>2024/10/10</a:t>
+              <a:t>2024/11/9</a:t>
             </a:fld>
             <a:endParaRPr lang="zh-CN" altLang="en-US"/>
           </a:p>
@@ -1952,7 +1958,7 @@
           <a:p>
             <a:fld id="{FC6EF54D-E4E1-4056-B6E0-6737F8953513}" type="datetimeFigureOut">
               <a:rPr lang="zh-CN" altLang="en-US" smtClean="0"/>
-              <a:t>2024/10/10</a:t>
+              <a:t>2024/11/9</a:t>
             </a:fld>
             <a:endParaRPr lang="zh-CN" altLang="en-US"/>
           </a:p>
@@ -2065,7 +2071,7 @@
           <a:p>
             <a:fld id="{FC6EF54D-E4E1-4056-B6E0-6737F8953513}" type="datetimeFigureOut">
               <a:rPr lang="zh-CN" altLang="en-US" smtClean="0"/>
-              <a:t>2024/10/10</a:t>
+              <a:t>2024/11/9</a:t>
             </a:fld>
             <a:endParaRPr lang="zh-CN" altLang="en-US"/>
           </a:p>
@@ -2376,7 +2382,7 @@
           <a:p>
             <a:fld id="{FC6EF54D-E4E1-4056-B6E0-6737F8953513}" type="datetimeFigureOut">
               <a:rPr lang="zh-CN" altLang="en-US" smtClean="0"/>
-              <a:t>2024/10/10</a:t>
+              <a:t>2024/11/9</a:t>
             </a:fld>
             <a:endParaRPr lang="zh-CN" altLang="en-US"/>
           </a:p>
@@ -2664,7 +2670,7 @@
           <a:p>
             <a:fld id="{FC6EF54D-E4E1-4056-B6E0-6737F8953513}" type="datetimeFigureOut">
               <a:rPr lang="zh-CN" altLang="en-US" smtClean="0"/>
-              <a:t>2024/10/10</a:t>
+              <a:t>2024/11/9</a:t>
             </a:fld>
             <a:endParaRPr lang="zh-CN" altLang="en-US"/>
           </a:p>
@@ -2905,7 +2911,7 @@
           <a:p>
             <a:fld id="{FC6EF54D-E4E1-4056-B6E0-6737F8953513}" type="datetimeFigureOut">
               <a:rPr lang="zh-CN" altLang="en-US" smtClean="0"/>
-              <a:t>2024/10/10</a:t>
+              <a:t>2024/11/9</a:t>
             </a:fld>
             <a:endParaRPr lang="zh-CN" altLang="en-US"/>
           </a:p>
@@ -5571,6 +5577,387 @@
 </p:sld>
 </file>
 
+<file path=ppt/slides/slide3.xml><?xml version="1.0" encoding="utf-8"?>
+<p:sld xmlns:a="http://schemas.openxmlformats.org/drawingml/2006/main" xmlns:r="http://schemas.openxmlformats.org/officeDocument/2006/relationships" xmlns:p="http://schemas.openxmlformats.org/presentationml/2006/main">
+  <p:cSld>
+    <p:spTree>
+      <p:nvGrpSpPr>
+        <p:cNvPr id="1" name=""/>
+        <p:cNvGrpSpPr/>
+        <p:nvPr/>
+      </p:nvGrpSpPr>
+      <p:grpSpPr>
+        <a:xfrm>
+          <a:off x="0" y="0"/>
+          <a:ext cx="0" cy="0"/>
+          <a:chOff x="0" y="0"/>
+          <a:chExt cx="0" cy="0"/>
+        </a:xfrm>
+      </p:grpSpPr>
+      <p:cxnSp>
+        <p:nvCxnSpPr>
+          <p:cNvPr id="14" name="直接连接符 13">
+            <a:extLst>
+              <a:ext uri="{FF2B5EF4-FFF2-40B4-BE49-F238E27FC236}">
+                <a16:creationId xmlns:a16="http://schemas.microsoft.com/office/drawing/2014/main" id="{805282AE-9EE9-5F7B-6B95-ACC55418965F}"/>
+              </a:ext>
+            </a:extLst>
+          </p:cNvPr>
+          <p:cNvCxnSpPr>
+            <a:cxnSpLocks/>
+          </p:cNvCxnSpPr>
+          <p:nvPr/>
+        </p:nvCxnSpPr>
+        <p:spPr>
+          <a:xfrm>
+            <a:off x="425399" y="3802358"/>
+            <a:ext cx="3627860" cy="0"/>
+          </a:xfrm>
+          <a:prstGeom prst="line">
+            <a:avLst/>
+          </a:prstGeom>
+          <a:ln/>
+        </p:spPr>
+        <p:style>
+          <a:lnRef idx="3">
+            <a:schemeClr val="dk1"/>
+          </a:lnRef>
+          <a:fillRef idx="0">
+            <a:schemeClr val="dk1"/>
+          </a:fillRef>
+          <a:effectRef idx="2">
+            <a:schemeClr val="dk1"/>
+          </a:effectRef>
+          <a:fontRef idx="minor">
+            <a:schemeClr val="tx1"/>
+          </a:fontRef>
+        </p:style>
+      </p:cxnSp>
+      <p:cxnSp>
+        <p:nvCxnSpPr>
+          <p:cNvPr id="15" name="直接连接符 14">
+            <a:extLst>
+              <a:ext uri="{FF2B5EF4-FFF2-40B4-BE49-F238E27FC236}">
+                <a16:creationId xmlns:a16="http://schemas.microsoft.com/office/drawing/2014/main" id="{EA5A1673-E923-AC84-8114-546F4A0B1571}"/>
+              </a:ext>
+            </a:extLst>
+          </p:cNvPr>
+          <p:cNvCxnSpPr>
+            <a:cxnSpLocks/>
+          </p:cNvCxnSpPr>
+          <p:nvPr/>
+        </p:nvCxnSpPr>
+        <p:spPr>
+          <a:xfrm flipV="1">
+            <a:off x="425399" y="2240253"/>
+            <a:ext cx="1555696" cy="1562105"/>
+          </a:xfrm>
+          <a:prstGeom prst="line">
+            <a:avLst/>
+          </a:prstGeom>
+          <a:ln/>
+        </p:spPr>
+        <p:style>
+          <a:lnRef idx="3">
+            <a:schemeClr val="dk1"/>
+          </a:lnRef>
+          <a:fillRef idx="0">
+            <a:schemeClr val="dk1"/>
+          </a:fillRef>
+          <a:effectRef idx="2">
+            <a:schemeClr val="dk1"/>
+          </a:effectRef>
+          <a:fontRef idx="minor">
+            <a:schemeClr val="tx1"/>
+          </a:fontRef>
+        </p:style>
+      </p:cxnSp>
+      <p:cxnSp>
+        <p:nvCxnSpPr>
+          <p:cNvPr id="16" name="直接连接符 15">
+            <a:extLst>
+              <a:ext uri="{FF2B5EF4-FFF2-40B4-BE49-F238E27FC236}">
+                <a16:creationId xmlns:a16="http://schemas.microsoft.com/office/drawing/2014/main" id="{DE24E3D0-950B-0692-710A-4D45B65A8326}"/>
+              </a:ext>
+            </a:extLst>
+          </p:cNvPr>
+          <p:cNvCxnSpPr>
+            <a:cxnSpLocks/>
+          </p:cNvCxnSpPr>
+          <p:nvPr/>
+        </p:nvCxnSpPr>
+        <p:spPr>
+          <a:xfrm flipV="1">
+            <a:off x="1332364" y="2240253"/>
+            <a:ext cx="1575936" cy="1562104"/>
+          </a:xfrm>
+          <a:prstGeom prst="line">
+            <a:avLst/>
+          </a:prstGeom>
+          <a:ln/>
+        </p:spPr>
+        <p:style>
+          <a:lnRef idx="3">
+            <a:schemeClr val="dk1"/>
+          </a:lnRef>
+          <a:fillRef idx="0">
+            <a:schemeClr val="dk1"/>
+          </a:fillRef>
+          <a:effectRef idx="2">
+            <a:schemeClr val="dk1"/>
+          </a:effectRef>
+          <a:fontRef idx="minor">
+            <a:schemeClr val="tx1"/>
+          </a:fontRef>
+        </p:style>
+      </p:cxnSp>
+      <p:cxnSp>
+        <p:nvCxnSpPr>
+          <p:cNvPr id="21" name="直接连接符 20">
+            <a:extLst>
+              <a:ext uri="{FF2B5EF4-FFF2-40B4-BE49-F238E27FC236}">
+                <a16:creationId xmlns:a16="http://schemas.microsoft.com/office/drawing/2014/main" id="{EF2EC7F5-464B-C501-3175-3374B31D7A99}"/>
+              </a:ext>
+            </a:extLst>
+          </p:cNvPr>
+          <p:cNvCxnSpPr>
+            <a:cxnSpLocks/>
+          </p:cNvCxnSpPr>
+          <p:nvPr/>
+        </p:nvCxnSpPr>
+        <p:spPr>
+          <a:xfrm flipV="1">
+            <a:off x="2239329" y="2240253"/>
+            <a:ext cx="1562103" cy="1562103"/>
+          </a:xfrm>
+          <a:prstGeom prst="line">
+            <a:avLst/>
+          </a:prstGeom>
+          <a:ln/>
+        </p:spPr>
+        <p:style>
+          <a:lnRef idx="3">
+            <a:schemeClr val="dk1"/>
+          </a:lnRef>
+          <a:fillRef idx="0">
+            <a:schemeClr val="dk1"/>
+          </a:fillRef>
+          <a:effectRef idx="2">
+            <a:schemeClr val="dk1"/>
+          </a:effectRef>
+          <a:fontRef idx="minor">
+            <a:schemeClr val="tx1"/>
+          </a:fontRef>
+        </p:style>
+      </p:cxnSp>
+      <p:cxnSp>
+        <p:nvCxnSpPr>
+          <p:cNvPr id="22" name="直接连接符 21">
+            <a:extLst>
+              <a:ext uri="{FF2B5EF4-FFF2-40B4-BE49-F238E27FC236}">
+                <a16:creationId xmlns:a16="http://schemas.microsoft.com/office/drawing/2014/main" id="{52DE7A95-9951-E6A6-7112-87D7AA8A7F9C}"/>
+              </a:ext>
+            </a:extLst>
+          </p:cNvPr>
+          <p:cNvCxnSpPr>
+            <a:cxnSpLocks/>
+          </p:cNvCxnSpPr>
+          <p:nvPr/>
+        </p:nvCxnSpPr>
+        <p:spPr>
+          <a:xfrm flipV="1">
+            <a:off x="3146294" y="2245415"/>
+            <a:ext cx="1556939" cy="1556939"/>
+          </a:xfrm>
+          <a:prstGeom prst="line">
+            <a:avLst/>
+          </a:prstGeom>
+          <a:ln/>
+        </p:spPr>
+        <p:style>
+          <a:lnRef idx="3">
+            <a:schemeClr val="dk1"/>
+          </a:lnRef>
+          <a:fillRef idx="0">
+            <a:schemeClr val="dk1"/>
+          </a:fillRef>
+          <a:effectRef idx="2">
+            <a:schemeClr val="dk1"/>
+          </a:effectRef>
+          <a:fontRef idx="minor">
+            <a:schemeClr val="tx1"/>
+          </a:fontRef>
+        </p:style>
+      </p:cxnSp>
+      <p:cxnSp>
+        <p:nvCxnSpPr>
+          <p:cNvPr id="23" name="直接连接符 22">
+            <a:extLst>
+              <a:ext uri="{FF2B5EF4-FFF2-40B4-BE49-F238E27FC236}">
+                <a16:creationId xmlns:a16="http://schemas.microsoft.com/office/drawing/2014/main" id="{AD7D3CAA-E939-B555-2FEC-A01F4F593DD5}"/>
+              </a:ext>
+            </a:extLst>
+          </p:cNvPr>
+          <p:cNvCxnSpPr>
+            <a:cxnSpLocks/>
+          </p:cNvCxnSpPr>
+          <p:nvPr/>
+        </p:nvCxnSpPr>
+        <p:spPr>
+          <a:xfrm flipV="1">
+            <a:off x="4053259" y="2240253"/>
+            <a:ext cx="1562097" cy="1562097"/>
+          </a:xfrm>
+          <a:prstGeom prst="line">
+            <a:avLst/>
+          </a:prstGeom>
+          <a:ln/>
+        </p:spPr>
+        <p:style>
+          <a:lnRef idx="3">
+            <a:schemeClr val="dk1"/>
+          </a:lnRef>
+          <a:fillRef idx="0">
+            <a:schemeClr val="dk1"/>
+          </a:fillRef>
+          <a:effectRef idx="2">
+            <a:schemeClr val="dk1"/>
+          </a:effectRef>
+          <a:fontRef idx="minor">
+            <a:schemeClr val="tx1"/>
+          </a:fontRef>
+        </p:style>
+      </p:cxnSp>
+      <p:cxnSp>
+        <p:nvCxnSpPr>
+          <p:cNvPr id="27" name="直接连接符 26">
+            <a:extLst>
+              <a:ext uri="{FF2B5EF4-FFF2-40B4-BE49-F238E27FC236}">
+                <a16:creationId xmlns:a16="http://schemas.microsoft.com/office/drawing/2014/main" id="{06C7BBC2-7E25-B7A5-084A-F77D304F97B7}"/>
+              </a:ext>
+            </a:extLst>
+          </p:cNvPr>
+          <p:cNvCxnSpPr>
+            <a:cxnSpLocks/>
+          </p:cNvCxnSpPr>
+          <p:nvPr/>
+        </p:nvCxnSpPr>
+        <p:spPr>
+          <a:xfrm>
+            <a:off x="947131" y="3281656"/>
+            <a:ext cx="3627860" cy="0"/>
+          </a:xfrm>
+          <a:prstGeom prst="line">
+            <a:avLst/>
+          </a:prstGeom>
+          <a:ln/>
+        </p:spPr>
+        <p:style>
+          <a:lnRef idx="3">
+            <a:schemeClr val="dk1"/>
+          </a:lnRef>
+          <a:fillRef idx="0">
+            <a:schemeClr val="dk1"/>
+          </a:fillRef>
+          <a:effectRef idx="2">
+            <a:schemeClr val="dk1"/>
+          </a:effectRef>
+          <a:fontRef idx="minor">
+            <a:schemeClr val="tx1"/>
+          </a:fontRef>
+        </p:style>
+      </p:cxnSp>
+      <p:cxnSp>
+        <p:nvCxnSpPr>
+          <p:cNvPr id="33" name="直接连接符 32">
+            <a:extLst>
+              <a:ext uri="{FF2B5EF4-FFF2-40B4-BE49-F238E27FC236}">
+                <a16:creationId xmlns:a16="http://schemas.microsoft.com/office/drawing/2014/main" id="{F11644B8-3B2B-68D0-57C0-932BD7DEB31A}"/>
+              </a:ext>
+            </a:extLst>
+          </p:cNvPr>
+          <p:cNvCxnSpPr>
+            <a:cxnSpLocks/>
+          </p:cNvCxnSpPr>
+          <p:nvPr/>
+        </p:nvCxnSpPr>
+        <p:spPr>
+          <a:xfrm>
+            <a:off x="1459363" y="2760955"/>
+            <a:ext cx="3627860" cy="0"/>
+          </a:xfrm>
+          <a:prstGeom prst="line">
+            <a:avLst/>
+          </a:prstGeom>
+          <a:ln/>
+        </p:spPr>
+        <p:style>
+          <a:lnRef idx="3">
+            <a:schemeClr val="dk1"/>
+          </a:lnRef>
+          <a:fillRef idx="0">
+            <a:schemeClr val="dk1"/>
+          </a:fillRef>
+          <a:effectRef idx="2">
+            <a:schemeClr val="dk1"/>
+          </a:effectRef>
+          <a:fontRef idx="minor">
+            <a:schemeClr val="tx1"/>
+          </a:fontRef>
+        </p:style>
+      </p:cxnSp>
+      <p:cxnSp>
+        <p:nvCxnSpPr>
+          <p:cNvPr id="35" name="直接连接符 34">
+            <a:extLst>
+              <a:ext uri="{FF2B5EF4-FFF2-40B4-BE49-F238E27FC236}">
+                <a16:creationId xmlns:a16="http://schemas.microsoft.com/office/drawing/2014/main" id="{BFEE3A7E-0EEB-A044-2179-EABDB6814976}"/>
+              </a:ext>
+            </a:extLst>
+          </p:cNvPr>
+          <p:cNvCxnSpPr>
+            <a:cxnSpLocks/>
+          </p:cNvCxnSpPr>
+          <p:nvPr/>
+        </p:nvCxnSpPr>
+        <p:spPr>
+          <a:xfrm>
+            <a:off x="1981095" y="2240253"/>
+            <a:ext cx="3627860" cy="0"/>
+          </a:xfrm>
+          <a:prstGeom prst="line">
+            <a:avLst/>
+          </a:prstGeom>
+          <a:ln/>
+        </p:spPr>
+        <p:style>
+          <a:lnRef idx="3">
+            <a:schemeClr val="dk1"/>
+          </a:lnRef>
+          <a:fillRef idx="0">
+            <a:schemeClr val="dk1"/>
+          </a:fillRef>
+          <a:effectRef idx="2">
+            <a:schemeClr val="dk1"/>
+          </a:effectRef>
+          <a:fontRef idx="minor">
+            <a:schemeClr val="tx1"/>
+          </a:fontRef>
+        </p:style>
+      </p:cxnSp>
+    </p:spTree>
+    <p:extLst>
+      <p:ext uri="{BB962C8B-B14F-4D97-AF65-F5344CB8AC3E}">
+        <p14:creationId xmlns:p14="http://schemas.microsoft.com/office/powerpoint/2010/main" val="3635019967"/>
+      </p:ext>
+    </p:extLst>
+  </p:cSld>
+  <p:clrMapOvr>
+    <a:masterClrMapping/>
+  </p:clrMapOvr>
+</p:sld>
+</file>
+
 <file path=ppt/theme/theme1.xml><?xml version="1.0" encoding="utf-8"?>
 <a:theme xmlns:a="http://schemas.openxmlformats.org/drawingml/2006/main" name="Office 主题​​">
   <a:themeElements>
